--- a/Hospital Management System.pptx
+++ b/Hospital Management System.pptx
@@ -256,7 +256,7 @@
   </p:defaultTextStyle>
   <p:extLst>
     <p:ext uri="{521415D9-36F7-43E2-AB2F-B90AF26B5E84}">
-      <p14:sectionLst xmlns:p14="http://schemas.microsoft.com/office/powerpoint/2010/main" xmlns="">
+      <p14:sectionLst xmlns="" xmlns:p14="http://schemas.microsoft.com/office/powerpoint/2010/main">
         <p14:section name="Default Section" id="{B56C2C5F-BD04-4B9C-BD53-74E436F0BF44}">
           <p14:sldIdLst>
             <p14:sldId id="257"/>
@@ -282,7 +282,7 @@
       </p14:sectionLst>
     </p:ext>
     <p:ext uri="{EFAFB233-063F-42B5-8137-9DF3F51BA10A}">
-      <p15:sldGuideLst xmlns:p15="http://schemas.microsoft.com/office/powerpoint/2012/main" xmlns="">
+      <p15:sldGuideLst xmlns="" xmlns:p15="http://schemas.microsoft.com/office/powerpoint/2012/main">
         <p15:guide id="1" orient="horz" pos="588">
           <p15:clr>
             <a:srgbClr val="A4A3A4"/>
@@ -8900,7 +8900,15 @@
             </a:r>
             <a:r>
               <a:rPr lang="en-IN" dirty="0"/>
-              <a:t>implementation of a robust health care management system is pivotal for enhancing overall healthcare efficiency and patient outcomes. </a:t>
+              <a:t>implementation of a robust </a:t>
+            </a:r>
+            <a:r>
+              <a:rPr lang="en-IN" dirty="0" smtClean="0"/>
+              <a:t>hospital </a:t>
+            </a:r>
+            <a:r>
+              <a:rPr lang="en-IN" dirty="0"/>
+              <a:t>care management system is pivotal for enhancing overall healthcare efficiency and patient outcomes. </a:t>
             </a:r>
             <a:endParaRPr lang="en-IN" dirty="0" smtClean="0"/>
           </a:p>
@@ -10726,7 +10734,15 @@
           <a:p>
             <a:r>
               <a:rPr lang="en-IN" dirty="0"/>
-              <a:t>The primary goal or purpose is to develop a E-healthcare management system.</a:t>
+              <a:t>The primary goal or purpose is to develop a </a:t>
+            </a:r>
+            <a:r>
+              <a:rPr lang="en-IN" dirty="0" smtClean="0"/>
+              <a:t>E-hospital </a:t>
+            </a:r>
+            <a:r>
+              <a:rPr lang="en-IN" dirty="0"/>
+              <a:t>management system.</a:t>
             </a:r>
           </a:p>
         </p:txBody>
@@ -10876,7 +10892,7 @@
         <p:spPr>
           <a:xfrm>
             <a:off x="265176" y="528882"/>
-            <a:ext cx="8430768" cy="3977641"/>
+            <a:ext cx="8430768" cy="3724096"/>
           </a:xfrm>
           <a:prstGeom prst="rect">
             <a:avLst/>
@@ -10889,9 +10905,16 @@
           </a:bodyPr>
           <a:lstStyle/>
           <a:p>
+            <a:endParaRPr lang="en-IN" sz="1600" b="1" dirty="0" smtClean="0"/>
+          </a:p>
+          <a:p>
+            <a:r>
+              <a:rPr lang="en-IN" sz="1600" b="1" dirty="0" smtClean="0"/>
+              <a:t>User-Friendly </a:t>
+            </a:r>
             <a:r>
               <a:rPr lang="en-IN" sz="1600" b="1" dirty="0"/>
-              <a:t>User-Friendly Interface:       </a:t>
+              <a:t>Interface:       </a:t>
             </a:r>
             <a:endParaRPr lang="en-IN" b="1" dirty="0"/>
           </a:p>
@@ -10947,18 +10970,6 @@
             <a:r>
               <a:rPr lang="en-IN" dirty="0"/>
               <a:t>	 Incorporate feedback mechanisms and patient satisfaction surveys to continuously improve the website and healthcare services.    </a:t>
-            </a:r>
-          </a:p>
-          <a:p>
-            <a:r>
-              <a:rPr lang="en-IN" sz="1600" b="1" dirty="0"/>
-              <a:t>Billing and Payment Integration:        </a:t>
-            </a:r>
-          </a:p>
-          <a:p>
-            <a:r>
-              <a:rPr lang="en-IN" dirty="0"/>
-              <a:t>	Streamline billing processes by integrating secure online payment options, reducing administrative burdens and improving the patient experience.</a:t>
             </a:r>
           </a:p>
         </p:txBody>
@@ -11054,7 +11065,27 @@
                 <a:latin typeface="Arial" panose="020B0604020202020204" pitchFamily="34" charset="0"/>
                 <a:cs typeface="Arial" panose="020B0604020202020204" pitchFamily="34" charset="0"/>
               </a:rPr>
-              <a:t>Design and Implement Healthcare Management System Components. To Develop a comprehensive Healthcare Management System comprising distinct components for Electronic Health Records (EHR), Appointment Scheduling, Prescription Tracking, and Telemedicine functionalities. Each component should have a user-friendly interface implemented using HTML for structure, CSS for styling, and React.js for dynamic behavior.</a:t>
+              <a:t>Design and Implement </a:t>
+            </a:r>
+            <a:r>
+              <a:rPr lang="en-US" sz="1600" dirty="0" smtClean="0">
+                <a:solidFill>
+                  <a:srgbClr val="002060"/>
+                </a:solidFill>
+                <a:latin typeface="Arial" panose="020B0604020202020204" pitchFamily="34" charset="0"/>
+                <a:cs typeface="Arial" panose="020B0604020202020204" pitchFamily="34" charset="0"/>
+              </a:rPr>
+              <a:t>Hospital </a:t>
+            </a:r>
+            <a:r>
+              <a:rPr lang="en-US" sz="1600" dirty="0">
+                <a:solidFill>
+                  <a:srgbClr val="002060"/>
+                </a:solidFill>
+                <a:latin typeface="Arial" panose="020B0604020202020204" pitchFamily="34" charset="0"/>
+                <a:cs typeface="Arial" panose="020B0604020202020204" pitchFamily="34" charset="0"/>
+              </a:rPr>
+              <a:t>Management System Components. To Develop a comprehensive Healthcare Management System comprising distinct components for Electronic Health Records (EHR), Appointment Scheduling, Prescription Tracking, and Telemedicine functionalities. Each component should have a user-friendly interface implemented using HTML for structure, CSS for styling, and React.js for dynamic behavior.</a:t>
             </a:r>
             <a:r>
               <a:rPr lang="en-US" sz="2400" b="1" dirty="0">
@@ -11151,17 +11182,7 @@
                 <a:latin typeface="Arial" panose="020B0604020202020204" pitchFamily="34" charset="0"/>
                 <a:cs typeface="Arial" panose="020B0604020202020204" pitchFamily="34" charset="0"/>
               </a:rPr>
-              <a:t>PHP</a:t>
-            </a:r>
-            <a:r>
-              <a:rPr lang="en-US" sz="1600" dirty="0" smtClean="0">
-                <a:solidFill>
-                  <a:srgbClr val="002060"/>
-                </a:solidFill>
-                <a:latin typeface="Arial" panose="020B0604020202020204" pitchFamily="34" charset="0"/>
-                <a:cs typeface="Arial" panose="020B0604020202020204" pitchFamily="34" charset="0"/>
-              </a:rPr>
-              <a:t>.</a:t>
+              <a:t>PHP.</a:t>
             </a:r>
             <a:r>
               <a:rPr lang="en-US" sz="1600" dirty="0">
@@ -11212,7 +11233,7 @@
               </a:rPr>
             </a:br>
             <a:r>
-              <a:rPr lang="en-US" sz="1600">
+              <a:rPr lang="en-US" sz="1600" dirty="0">
                 <a:solidFill>
                   <a:srgbClr val="002060"/>
                 </a:solidFill>
@@ -11222,7 +11243,7 @@
               <a:t>	</a:t>
             </a:r>
             <a:r>
-              <a:rPr lang="en-US" sz="1600" smtClean="0">
+              <a:rPr lang="en-US" sz="1600" dirty="0" smtClean="0">
                 <a:solidFill>
                   <a:srgbClr val="002060"/>
                 </a:solidFill>

--- a/Hospital Management System.pptx
+++ b/Hospital Management System.pptx
@@ -256,7 +256,7 @@
   </p:defaultTextStyle>
   <p:extLst>
     <p:ext uri="{521415D9-36F7-43E2-AB2F-B90AF26B5E84}">
-      <p14:sectionLst xmlns="" xmlns:p14="http://schemas.microsoft.com/office/powerpoint/2010/main">
+      <p14:sectionLst xmlns:p14="http://schemas.microsoft.com/office/powerpoint/2010/main" xmlns="">
         <p14:section name="Default Section" id="{B56C2C5F-BD04-4B9C-BD53-74E436F0BF44}">
           <p14:sldIdLst>
             <p14:sldId id="257"/>
@@ -282,7 +282,7 @@
       </p14:sectionLst>
     </p:ext>
     <p:ext uri="{EFAFB233-063F-42B5-8137-9DF3F51BA10A}">
-      <p15:sldGuideLst xmlns="" xmlns:p15="http://schemas.microsoft.com/office/powerpoint/2012/main">
+      <p15:sldGuideLst xmlns:p15="http://schemas.microsoft.com/office/powerpoint/2012/main" xmlns="">
         <p15:guide id="1" orient="horz" pos="588">
           <p15:clr>
             <a:srgbClr val="A4A3A4"/>
@@ -1854,7 +1854,7 @@
             <a:fld id="{81BF06D3-496D-4060-A653-877D7024FA53}" type="datetime1">
               <a:rPr lang="en-IN" smtClean="0"/>
               <a:pPr/>
-              <a:t>20-01-2024</a:t>
+              <a:t>21-01-2024</a:t>
             </a:fld>
             <a:endParaRPr lang="en-US"/>
           </a:p>
@@ -11182,7 +11182,17 @@
                 <a:latin typeface="Arial" panose="020B0604020202020204" pitchFamily="34" charset="0"/>
                 <a:cs typeface="Arial" panose="020B0604020202020204" pitchFamily="34" charset="0"/>
               </a:rPr>
-              <a:t>PHP.</a:t>
+              <a:t>JAVASCRIPT, BOOTSTRAP</a:t>
+            </a:r>
+            <a:r>
+              <a:rPr lang="en-US" sz="1600" dirty="0" smtClean="0">
+                <a:solidFill>
+                  <a:srgbClr val="002060"/>
+                </a:solidFill>
+                <a:latin typeface="Arial" panose="020B0604020202020204" pitchFamily="34" charset="0"/>
+                <a:cs typeface="Arial" panose="020B0604020202020204" pitchFamily="34" charset="0"/>
+              </a:rPr>
+              <a:t>.</a:t>
             </a:r>
             <a:r>
               <a:rPr lang="en-US" sz="1600" dirty="0">
@@ -11233,7 +11243,7 @@
               </a:rPr>
             </a:br>
             <a:r>
-              <a:rPr lang="en-US" sz="1600" dirty="0">
+              <a:rPr lang="en-US" sz="1600">
                 <a:solidFill>
                   <a:srgbClr val="002060"/>
                 </a:solidFill>
@@ -11243,14 +11253,14 @@
               <a:t>	</a:t>
             </a:r>
             <a:r>
-              <a:rPr lang="en-US" sz="1600" dirty="0" smtClean="0">
+              <a:rPr lang="en-US" sz="1600" smtClean="0">
                 <a:solidFill>
                   <a:srgbClr val="002060"/>
                 </a:solidFill>
                 <a:latin typeface="Arial" panose="020B0604020202020204" pitchFamily="34" charset="0"/>
                 <a:cs typeface="Arial" panose="020B0604020202020204" pitchFamily="34" charset="0"/>
               </a:rPr>
-              <a:t>SQL.</a:t>
+              <a:t>SQL, PHP.</a:t>
             </a:r>
             <a:r>
               <a:rPr lang="en-US" sz="1800" b="1" dirty="0">
